--- a/04.Energy Introduction.pptx
+++ b/04.Energy Introduction.pptx
@@ -6021,8 +6021,8 @@
         </p:nvSpPr>
         <p:spPr>
           <a:xfrm>
-            <a:off x="1583629" y="2599313"/>
-            <a:ext cx="1326004" cy="369332"/>
+            <a:off x="1692634" y="2599313"/>
+            <a:ext cx="1107996" cy="369332"/>
           </a:xfrm>
           <a:prstGeom prst="rect">
             <a:avLst/>
@@ -6048,7 +6048,7 @@
                 </a:solidFill>
                 <a:hlinkClick r:id="rId3"/>
               </a:rPr>
-              <a:t>Example 2</a:t>
+              <a:t>Solution</a:t>
             </a:r>
             <a:endParaRPr lang="en-US" b="1" dirty="0">
               <a:solidFill>
@@ -10064,8 +10064,8 @@
         </p:nvSpPr>
         <p:spPr>
           <a:xfrm>
-            <a:off x="3908998" y="3962400"/>
-            <a:ext cx="1326004" cy="369332"/>
+            <a:off x="4018003" y="3962400"/>
+            <a:ext cx="1107996" cy="369332"/>
           </a:xfrm>
           <a:prstGeom prst="rect">
             <a:avLst/>
@@ -10215,7 +10215,7 @@
                 </a:solidFill>
                 <a:hlinkClick r:id="rId2"/>
               </a:rPr>
-              <a:t>Example 3</a:t>
+              <a:t>Solution</a:t>
             </a:r>
             <a:endParaRPr lang="en-US" b="1" dirty="0">
               <a:solidFill>
@@ -12829,8 +12829,8 @@
         </p:nvSpPr>
         <p:spPr>
           <a:xfrm>
-            <a:off x="3891982" y="4114800"/>
-            <a:ext cx="1326004" cy="369332"/>
+            <a:off x="4000987" y="4114800"/>
+            <a:ext cx="1107996" cy="369332"/>
           </a:xfrm>
           <a:prstGeom prst="rect">
             <a:avLst/>
@@ -12980,7 +12980,7 @@
                 </a:solidFill>
                 <a:hlinkClick r:id="rId2"/>
               </a:rPr>
-              <a:t>Example 4</a:t>
+              <a:t>Solution</a:t>
             </a:r>
             <a:endParaRPr lang="en-US" b="1" dirty="0">
               <a:solidFill>
@@ -17280,8 +17280,8 @@
         </p:nvSpPr>
         <p:spPr>
           <a:xfrm>
-            <a:off x="3908998" y="3497818"/>
-            <a:ext cx="1326004" cy="369332"/>
+            <a:off x="4018003" y="3497818"/>
+            <a:ext cx="1107996" cy="369332"/>
           </a:xfrm>
           <a:prstGeom prst="rect">
             <a:avLst/>
@@ -17307,7 +17307,7 @@
                 </a:solidFill>
                 <a:hlinkClick r:id="rId2"/>
               </a:rPr>
-              <a:t>Example 1</a:t>
+              <a:t>Solution</a:t>
             </a:r>
             <a:endParaRPr lang="en-US" b="1" dirty="0">
               <a:solidFill>
